--- a/ppt 16-9/0750.主啊，我要更爱.pptx
+++ b/ppt 16-9/0750.主啊，我要更爱.pptx
@@ -5,7 +5,7 @@
     <p:sldMasterId id="2147483648" r:id="rId1"/>
   </p:sldMasterIdLst>
   <p:sldIdLst>
-    <p:sldId id="1998" r:id="rId2"/>
+    <p:sldId id="2000" r:id="rId2"/>
   </p:sldIdLst>
   <p:sldSz cx="12192000" cy="6858000"/>
   <p:notesSz cx="6858000" cy="9144000"/>
@@ -129,7 +129,7 @@
           <p:cNvPr id="2" name="标题 1">
             <a:extLst>
               <a:ext uri="{FF2B5EF4-FFF2-40B4-BE49-F238E27FC236}">
-                <a16:creationId xmlns:a16="http://schemas.microsoft.com/office/drawing/2014/main" id="{9232623C-7BA9-7F6A-737E-80C712580054}"/>
+                <a16:creationId xmlns:a16="http://schemas.microsoft.com/office/drawing/2014/main" id="{6552D8E0-02CA-C0F0-250E-E1A88F99A4EB}"/>
               </a:ext>
             </a:extLst>
           </p:cNvPr>
@@ -166,7 +166,7 @@
           <p:cNvPr id="3" name="副标题 2">
             <a:extLst>
               <a:ext uri="{FF2B5EF4-FFF2-40B4-BE49-F238E27FC236}">
-                <a16:creationId xmlns:a16="http://schemas.microsoft.com/office/drawing/2014/main" id="{BBE97B8E-3290-8CBF-4CB8-534DB66E06EB}"/>
+                <a16:creationId xmlns:a16="http://schemas.microsoft.com/office/drawing/2014/main" id="{7E406BA4-0ACC-55D2-7B92-CBC2CDEF664E}"/>
               </a:ext>
             </a:extLst>
           </p:cNvPr>
@@ -236,7 +236,7 @@
           <p:cNvPr id="4" name="日期占位符 3">
             <a:extLst>
               <a:ext uri="{FF2B5EF4-FFF2-40B4-BE49-F238E27FC236}">
-                <a16:creationId xmlns:a16="http://schemas.microsoft.com/office/drawing/2014/main" id="{FBA68CF5-1ECC-D4C0-934D-D92A56469C37}"/>
+                <a16:creationId xmlns:a16="http://schemas.microsoft.com/office/drawing/2014/main" id="{F51D4BDA-8643-7877-8A73-30FCF376CF86}"/>
               </a:ext>
             </a:extLst>
           </p:cNvPr>
@@ -252,7 +252,7 @@
           <a:bodyPr/>
           <a:lstStyle/>
           <a:p>
-            <a:fld id="{42B8B390-24EF-4436-BF1F-4567C0C01C06}" type="datetimeFigureOut">
+            <a:fld id="{97CFAC3F-21B1-440D-8879-FABBC536DBC1}" type="datetimeFigureOut">
               <a:rPr lang="zh-CN" altLang="en-US" smtClean="0"/>
               <a:t>2024/3/10</a:t>
             </a:fld>
@@ -265,7 +265,7 @@
           <p:cNvPr id="5" name="页脚占位符 4">
             <a:extLst>
               <a:ext uri="{FF2B5EF4-FFF2-40B4-BE49-F238E27FC236}">
-                <a16:creationId xmlns:a16="http://schemas.microsoft.com/office/drawing/2014/main" id="{ACF0D18B-03B2-23EE-E8E7-763BACC13C82}"/>
+                <a16:creationId xmlns:a16="http://schemas.microsoft.com/office/drawing/2014/main" id="{A74A23B5-7CF8-2248-DBFA-D9FE6A41CA42}"/>
               </a:ext>
             </a:extLst>
           </p:cNvPr>
@@ -290,7 +290,7 @@
           <p:cNvPr id="6" name="灯片编号占位符 5">
             <a:extLst>
               <a:ext uri="{FF2B5EF4-FFF2-40B4-BE49-F238E27FC236}">
-                <a16:creationId xmlns:a16="http://schemas.microsoft.com/office/drawing/2014/main" id="{B80AAD77-E28D-3F6F-1C03-1B389917C635}"/>
+                <a16:creationId xmlns:a16="http://schemas.microsoft.com/office/drawing/2014/main" id="{DEDB37A9-5363-A51D-183B-154CC3447DCE}"/>
               </a:ext>
             </a:extLst>
           </p:cNvPr>
@@ -306,7 +306,7 @@
           <a:bodyPr/>
           <a:lstStyle/>
           <a:p>
-            <a:fld id="{947BEEDC-2945-4238-96D5-F313922CF4C5}" type="slidenum">
+            <a:fld id="{4597413C-1C31-4FFB-890A-CCE4A3F1CD78}" type="slidenum">
               <a:rPr lang="zh-CN" altLang="en-US" smtClean="0"/>
               <a:t>‹#›</a:t>
             </a:fld>
@@ -317,7 +317,7 @@
     </p:spTree>
     <p:extLst>
       <p:ext uri="{BB962C8B-B14F-4D97-AF65-F5344CB8AC3E}">
-        <p14:creationId xmlns:p14="http://schemas.microsoft.com/office/powerpoint/2010/main" val="3737212980"/>
+        <p14:creationId xmlns:p14="http://schemas.microsoft.com/office/powerpoint/2010/main" val="1067887629"/>
       </p:ext>
     </p:extLst>
   </p:cSld>
@@ -349,7 +349,7 @@
           <p:cNvPr id="2" name="标题 1">
             <a:extLst>
               <a:ext uri="{FF2B5EF4-FFF2-40B4-BE49-F238E27FC236}">
-                <a16:creationId xmlns:a16="http://schemas.microsoft.com/office/drawing/2014/main" id="{ED3AEA58-A765-07C9-583D-29BBBB564AC2}"/>
+                <a16:creationId xmlns:a16="http://schemas.microsoft.com/office/drawing/2014/main" id="{61D623D7-1DB8-C6D0-589E-92452599D09E}"/>
               </a:ext>
             </a:extLst>
           </p:cNvPr>
@@ -377,7 +377,7 @@
           <p:cNvPr id="3" name="竖排文字占位符 2">
             <a:extLst>
               <a:ext uri="{FF2B5EF4-FFF2-40B4-BE49-F238E27FC236}">
-                <a16:creationId xmlns:a16="http://schemas.microsoft.com/office/drawing/2014/main" id="{E9031297-77A6-383F-456D-A9755C8C15FE}"/>
+                <a16:creationId xmlns:a16="http://schemas.microsoft.com/office/drawing/2014/main" id="{D938B870-CC93-D570-86B6-4F91F7DCCEB7}"/>
               </a:ext>
             </a:extLst>
           </p:cNvPr>
@@ -434,7 +434,7 @@
           <p:cNvPr id="4" name="日期占位符 3">
             <a:extLst>
               <a:ext uri="{FF2B5EF4-FFF2-40B4-BE49-F238E27FC236}">
-                <a16:creationId xmlns:a16="http://schemas.microsoft.com/office/drawing/2014/main" id="{D246AF6A-035B-4DE2-D706-DB9130D8A4C4}"/>
+                <a16:creationId xmlns:a16="http://schemas.microsoft.com/office/drawing/2014/main" id="{7CFBF30B-537F-2DD9-05FB-276EAB1E9B8A}"/>
               </a:ext>
             </a:extLst>
           </p:cNvPr>
@@ -450,7 +450,7 @@
           <a:bodyPr/>
           <a:lstStyle/>
           <a:p>
-            <a:fld id="{42B8B390-24EF-4436-BF1F-4567C0C01C06}" type="datetimeFigureOut">
+            <a:fld id="{97CFAC3F-21B1-440D-8879-FABBC536DBC1}" type="datetimeFigureOut">
               <a:rPr lang="zh-CN" altLang="en-US" smtClean="0"/>
               <a:t>2024/3/10</a:t>
             </a:fld>
@@ -463,7 +463,7 @@
           <p:cNvPr id="5" name="页脚占位符 4">
             <a:extLst>
               <a:ext uri="{FF2B5EF4-FFF2-40B4-BE49-F238E27FC236}">
-                <a16:creationId xmlns:a16="http://schemas.microsoft.com/office/drawing/2014/main" id="{E52162FE-F5F5-F57D-E0BD-3D0C6798B1B7}"/>
+                <a16:creationId xmlns:a16="http://schemas.microsoft.com/office/drawing/2014/main" id="{0F79152A-92D1-7622-5583-7E3DD6F8D7CD}"/>
               </a:ext>
             </a:extLst>
           </p:cNvPr>
@@ -488,7 +488,7 @@
           <p:cNvPr id="6" name="灯片编号占位符 5">
             <a:extLst>
               <a:ext uri="{FF2B5EF4-FFF2-40B4-BE49-F238E27FC236}">
-                <a16:creationId xmlns:a16="http://schemas.microsoft.com/office/drawing/2014/main" id="{F22267A3-0379-800C-624A-B2A488217627}"/>
+                <a16:creationId xmlns:a16="http://schemas.microsoft.com/office/drawing/2014/main" id="{C4EF0129-35E3-502A-DFCF-5C427DFE7B1E}"/>
               </a:ext>
             </a:extLst>
           </p:cNvPr>
@@ -504,7 +504,7 @@
           <a:bodyPr/>
           <a:lstStyle/>
           <a:p>
-            <a:fld id="{947BEEDC-2945-4238-96D5-F313922CF4C5}" type="slidenum">
+            <a:fld id="{4597413C-1C31-4FFB-890A-CCE4A3F1CD78}" type="slidenum">
               <a:rPr lang="zh-CN" altLang="en-US" smtClean="0"/>
               <a:t>‹#›</a:t>
             </a:fld>
@@ -515,7 +515,7 @@
     </p:spTree>
     <p:extLst>
       <p:ext uri="{BB962C8B-B14F-4D97-AF65-F5344CB8AC3E}">
-        <p14:creationId xmlns:p14="http://schemas.microsoft.com/office/powerpoint/2010/main" val="2511043295"/>
+        <p14:creationId xmlns:p14="http://schemas.microsoft.com/office/powerpoint/2010/main" val="3045863133"/>
       </p:ext>
     </p:extLst>
   </p:cSld>
@@ -547,7 +547,7 @@
           <p:cNvPr id="2" name="竖排标题 1">
             <a:extLst>
               <a:ext uri="{FF2B5EF4-FFF2-40B4-BE49-F238E27FC236}">
-                <a16:creationId xmlns:a16="http://schemas.microsoft.com/office/drawing/2014/main" id="{0767A440-FBE4-AC48-8D20-A26A6E2F1C2D}"/>
+                <a16:creationId xmlns:a16="http://schemas.microsoft.com/office/drawing/2014/main" id="{5AF8CF6D-EA8A-7118-8948-EFA9F46D178C}"/>
               </a:ext>
             </a:extLst>
           </p:cNvPr>
@@ -580,7 +580,7 @@
           <p:cNvPr id="3" name="竖排文字占位符 2">
             <a:extLst>
               <a:ext uri="{FF2B5EF4-FFF2-40B4-BE49-F238E27FC236}">
-                <a16:creationId xmlns:a16="http://schemas.microsoft.com/office/drawing/2014/main" id="{BD9D3A9D-405F-EF96-5986-C87E4605E752}"/>
+                <a16:creationId xmlns:a16="http://schemas.microsoft.com/office/drawing/2014/main" id="{90145E9A-C8C7-6B0D-FC10-3CF2B2CEB517}"/>
               </a:ext>
             </a:extLst>
           </p:cNvPr>
@@ -642,7 +642,7 @@
           <p:cNvPr id="4" name="日期占位符 3">
             <a:extLst>
               <a:ext uri="{FF2B5EF4-FFF2-40B4-BE49-F238E27FC236}">
-                <a16:creationId xmlns:a16="http://schemas.microsoft.com/office/drawing/2014/main" id="{AE49117A-56FF-43B3-7C06-E64E34BFC0F8}"/>
+                <a16:creationId xmlns:a16="http://schemas.microsoft.com/office/drawing/2014/main" id="{5362EAF9-6968-9E60-0E68-C2C92BBC102A}"/>
               </a:ext>
             </a:extLst>
           </p:cNvPr>
@@ -658,7 +658,7 @@
           <a:bodyPr/>
           <a:lstStyle/>
           <a:p>
-            <a:fld id="{42B8B390-24EF-4436-BF1F-4567C0C01C06}" type="datetimeFigureOut">
+            <a:fld id="{97CFAC3F-21B1-440D-8879-FABBC536DBC1}" type="datetimeFigureOut">
               <a:rPr lang="zh-CN" altLang="en-US" smtClean="0"/>
               <a:t>2024/3/10</a:t>
             </a:fld>
@@ -671,7 +671,7 @@
           <p:cNvPr id="5" name="页脚占位符 4">
             <a:extLst>
               <a:ext uri="{FF2B5EF4-FFF2-40B4-BE49-F238E27FC236}">
-                <a16:creationId xmlns:a16="http://schemas.microsoft.com/office/drawing/2014/main" id="{C9BEFEE9-5C48-B973-47CE-A9711D31D745}"/>
+                <a16:creationId xmlns:a16="http://schemas.microsoft.com/office/drawing/2014/main" id="{B926F8B7-5DDE-26AD-2CBF-391F00D65F4B}"/>
               </a:ext>
             </a:extLst>
           </p:cNvPr>
@@ -696,7 +696,7 @@
           <p:cNvPr id="6" name="灯片编号占位符 5">
             <a:extLst>
               <a:ext uri="{FF2B5EF4-FFF2-40B4-BE49-F238E27FC236}">
-                <a16:creationId xmlns:a16="http://schemas.microsoft.com/office/drawing/2014/main" id="{7F5E740A-1840-08BD-D67F-BB5F5CE3F918}"/>
+                <a16:creationId xmlns:a16="http://schemas.microsoft.com/office/drawing/2014/main" id="{D71189B1-AE77-06C7-142D-8763F308CF34}"/>
               </a:ext>
             </a:extLst>
           </p:cNvPr>
@@ -712,7 +712,7 @@
           <a:bodyPr/>
           <a:lstStyle/>
           <a:p>
-            <a:fld id="{947BEEDC-2945-4238-96D5-F313922CF4C5}" type="slidenum">
+            <a:fld id="{4597413C-1C31-4FFB-890A-CCE4A3F1CD78}" type="slidenum">
               <a:rPr lang="zh-CN" altLang="en-US" smtClean="0"/>
               <a:t>‹#›</a:t>
             </a:fld>
@@ -723,7 +723,7 @@
     </p:spTree>
     <p:extLst>
       <p:ext uri="{BB962C8B-B14F-4D97-AF65-F5344CB8AC3E}">
-        <p14:creationId xmlns:p14="http://schemas.microsoft.com/office/powerpoint/2010/main" val="752433192"/>
+        <p14:creationId xmlns:p14="http://schemas.microsoft.com/office/powerpoint/2010/main" val="2211820794"/>
       </p:ext>
     </p:extLst>
   </p:cSld>
@@ -755,7 +755,7 @@
           <p:cNvPr id="2" name="标题 1">
             <a:extLst>
               <a:ext uri="{FF2B5EF4-FFF2-40B4-BE49-F238E27FC236}">
-                <a16:creationId xmlns:a16="http://schemas.microsoft.com/office/drawing/2014/main" id="{16D3678C-AC6D-9376-1A60-3D32361C8D05}"/>
+                <a16:creationId xmlns:a16="http://schemas.microsoft.com/office/drawing/2014/main" id="{E504D0CD-CECD-E129-88EB-49CAA923AAC8}"/>
               </a:ext>
             </a:extLst>
           </p:cNvPr>
@@ -783,7 +783,7 @@
           <p:cNvPr id="3" name="内容占位符 2">
             <a:extLst>
               <a:ext uri="{FF2B5EF4-FFF2-40B4-BE49-F238E27FC236}">
-                <a16:creationId xmlns:a16="http://schemas.microsoft.com/office/drawing/2014/main" id="{DA92F335-2D3D-215F-7F87-A333C6F20066}"/>
+                <a16:creationId xmlns:a16="http://schemas.microsoft.com/office/drawing/2014/main" id="{993ED6B8-C143-3739-6CA4-8676D47C0074}"/>
               </a:ext>
             </a:extLst>
           </p:cNvPr>
@@ -840,7 +840,7 @@
           <p:cNvPr id="4" name="日期占位符 3">
             <a:extLst>
               <a:ext uri="{FF2B5EF4-FFF2-40B4-BE49-F238E27FC236}">
-                <a16:creationId xmlns:a16="http://schemas.microsoft.com/office/drawing/2014/main" id="{D04B4B5E-217F-ECC7-574F-35DDFA3167D4}"/>
+                <a16:creationId xmlns:a16="http://schemas.microsoft.com/office/drawing/2014/main" id="{B5EF603F-2AE4-EE3B-9A59-D10AA1584802}"/>
               </a:ext>
             </a:extLst>
           </p:cNvPr>
@@ -856,7 +856,7 @@
           <a:bodyPr/>
           <a:lstStyle/>
           <a:p>
-            <a:fld id="{42B8B390-24EF-4436-BF1F-4567C0C01C06}" type="datetimeFigureOut">
+            <a:fld id="{97CFAC3F-21B1-440D-8879-FABBC536DBC1}" type="datetimeFigureOut">
               <a:rPr lang="zh-CN" altLang="en-US" smtClean="0"/>
               <a:t>2024/3/10</a:t>
             </a:fld>
@@ -869,7 +869,7 @@
           <p:cNvPr id="5" name="页脚占位符 4">
             <a:extLst>
               <a:ext uri="{FF2B5EF4-FFF2-40B4-BE49-F238E27FC236}">
-                <a16:creationId xmlns:a16="http://schemas.microsoft.com/office/drawing/2014/main" id="{5F84446D-BB64-F5FA-6426-AA4F18B328CE}"/>
+                <a16:creationId xmlns:a16="http://schemas.microsoft.com/office/drawing/2014/main" id="{171166C2-90A7-45C0-1E3D-C26DE35FF3F1}"/>
               </a:ext>
             </a:extLst>
           </p:cNvPr>
@@ -894,7 +894,7 @@
           <p:cNvPr id="6" name="灯片编号占位符 5">
             <a:extLst>
               <a:ext uri="{FF2B5EF4-FFF2-40B4-BE49-F238E27FC236}">
-                <a16:creationId xmlns:a16="http://schemas.microsoft.com/office/drawing/2014/main" id="{CE6D9CE1-77C2-10F0-9114-A2D5EA0A4C3E}"/>
+                <a16:creationId xmlns:a16="http://schemas.microsoft.com/office/drawing/2014/main" id="{3D0A288E-EE06-8791-2C76-4AAD057BBF00}"/>
               </a:ext>
             </a:extLst>
           </p:cNvPr>
@@ -910,7 +910,7 @@
           <a:bodyPr/>
           <a:lstStyle/>
           <a:p>
-            <a:fld id="{947BEEDC-2945-4238-96D5-F313922CF4C5}" type="slidenum">
+            <a:fld id="{4597413C-1C31-4FFB-890A-CCE4A3F1CD78}" type="slidenum">
               <a:rPr lang="zh-CN" altLang="en-US" smtClean="0"/>
               <a:t>‹#›</a:t>
             </a:fld>
@@ -921,7 +921,7 @@
     </p:spTree>
     <p:extLst>
       <p:ext uri="{BB962C8B-B14F-4D97-AF65-F5344CB8AC3E}">
-        <p14:creationId xmlns:p14="http://schemas.microsoft.com/office/powerpoint/2010/main" val="1122468307"/>
+        <p14:creationId xmlns:p14="http://schemas.microsoft.com/office/powerpoint/2010/main" val="915023879"/>
       </p:ext>
     </p:extLst>
   </p:cSld>
@@ -953,7 +953,7 @@
           <p:cNvPr id="2" name="标题 1">
             <a:extLst>
               <a:ext uri="{FF2B5EF4-FFF2-40B4-BE49-F238E27FC236}">
-                <a16:creationId xmlns:a16="http://schemas.microsoft.com/office/drawing/2014/main" id="{E25B5FFF-20F7-5A9B-BBF7-1A141DB003AC}"/>
+                <a16:creationId xmlns:a16="http://schemas.microsoft.com/office/drawing/2014/main" id="{964E7A6E-DAD4-AF70-6913-527EDF8DEA24}"/>
               </a:ext>
             </a:extLst>
           </p:cNvPr>
@@ -990,7 +990,7 @@
           <p:cNvPr id="3" name="文本占位符 2">
             <a:extLst>
               <a:ext uri="{FF2B5EF4-FFF2-40B4-BE49-F238E27FC236}">
-                <a16:creationId xmlns:a16="http://schemas.microsoft.com/office/drawing/2014/main" id="{B68442EB-9646-89C0-3DD1-B4F4D371A7CB}"/>
+                <a16:creationId xmlns:a16="http://schemas.microsoft.com/office/drawing/2014/main" id="{D809D907-EDAB-706B-9A0B-3E7D875813B8}"/>
               </a:ext>
             </a:extLst>
           </p:cNvPr>
@@ -1115,7 +1115,7 @@
           <p:cNvPr id="4" name="日期占位符 3">
             <a:extLst>
               <a:ext uri="{FF2B5EF4-FFF2-40B4-BE49-F238E27FC236}">
-                <a16:creationId xmlns:a16="http://schemas.microsoft.com/office/drawing/2014/main" id="{4F1F0F66-77D7-9233-C7BD-C42F25C40EFC}"/>
+                <a16:creationId xmlns:a16="http://schemas.microsoft.com/office/drawing/2014/main" id="{8040F897-8F30-1592-DDC1-9B17E2F569C4}"/>
               </a:ext>
             </a:extLst>
           </p:cNvPr>
@@ -1131,7 +1131,7 @@
           <a:bodyPr/>
           <a:lstStyle/>
           <a:p>
-            <a:fld id="{42B8B390-24EF-4436-BF1F-4567C0C01C06}" type="datetimeFigureOut">
+            <a:fld id="{97CFAC3F-21B1-440D-8879-FABBC536DBC1}" type="datetimeFigureOut">
               <a:rPr lang="zh-CN" altLang="en-US" smtClean="0"/>
               <a:t>2024/3/10</a:t>
             </a:fld>
@@ -1144,7 +1144,7 @@
           <p:cNvPr id="5" name="页脚占位符 4">
             <a:extLst>
               <a:ext uri="{FF2B5EF4-FFF2-40B4-BE49-F238E27FC236}">
-                <a16:creationId xmlns:a16="http://schemas.microsoft.com/office/drawing/2014/main" id="{0DDE108F-FCEF-D4D4-7F2C-A56232825978}"/>
+                <a16:creationId xmlns:a16="http://schemas.microsoft.com/office/drawing/2014/main" id="{7C9D6DDD-D833-A639-9043-5AFFAE18C006}"/>
               </a:ext>
             </a:extLst>
           </p:cNvPr>
@@ -1169,7 +1169,7 @@
           <p:cNvPr id="6" name="灯片编号占位符 5">
             <a:extLst>
               <a:ext uri="{FF2B5EF4-FFF2-40B4-BE49-F238E27FC236}">
-                <a16:creationId xmlns:a16="http://schemas.microsoft.com/office/drawing/2014/main" id="{CDE2CC8D-D515-0985-6CE7-E10675756717}"/>
+                <a16:creationId xmlns:a16="http://schemas.microsoft.com/office/drawing/2014/main" id="{46657870-CB39-71B1-5504-BFCE956D3895}"/>
               </a:ext>
             </a:extLst>
           </p:cNvPr>
@@ -1185,7 +1185,7 @@
           <a:bodyPr/>
           <a:lstStyle/>
           <a:p>
-            <a:fld id="{947BEEDC-2945-4238-96D5-F313922CF4C5}" type="slidenum">
+            <a:fld id="{4597413C-1C31-4FFB-890A-CCE4A3F1CD78}" type="slidenum">
               <a:rPr lang="zh-CN" altLang="en-US" smtClean="0"/>
               <a:t>‹#›</a:t>
             </a:fld>
@@ -1196,7 +1196,7 @@
     </p:spTree>
     <p:extLst>
       <p:ext uri="{BB962C8B-B14F-4D97-AF65-F5344CB8AC3E}">
-        <p14:creationId xmlns:p14="http://schemas.microsoft.com/office/powerpoint/2010/main" val="1362152397"/>
+        <p14:creationId xmlns:p14="http://schemas.microsoft.com/office/powerpoint/2010/main" val="691207133"/>
       </p:ext>
     </p:extLst>
   </p:cSld>
@@ -1228,7 +1228,7 @@
           <p:cNvPr id="2" name="标题 1">
             <a:extLst>
               <a:ext uri="{FF2B5EF4-FFF2-40B4-BE49-F238E27FC236}">
-                <a16:creationId xmlns:a16="http://schemas.microsoft.com/office/drawing/2014/main" id="{E408EE85-3AF9-1277-7C02-EB5CBBB4E9DE}"/>
+                <a16:creationId xmlns:a16="http://schemas.microsoft.com/office/drawing/2014/main" id="{2ED49C04-295A-1C6D-328D-EE2CA077DEE9}"/>
               </a:ext>
             </a:extLst>
           </p:cNvPr>
@@ -1256,7 +1256,7 @@
           <p:cNvPr id="3" name="内容占位符 2">
             <a:extLst>
               <a:ext uri="{FF2B5EF4-FFF2-40B4-BE49-F238E27FC236}">
-                <a16:creationId xmlns:a16="http://schemas.microsoft.com/office/drawing/2014/main" id="{09238CEA-4E6A-2A97-6F51-7A0569C5DEDC}"/>
+                <a16:creationId xmlns:a16="http://schemas.microsoft.com/office/drawing/2014/main" id="{2B427EB1-EBB3-4CBE-0220-5EC0ACB37406}"/>
               </a:ext>
             </a:extLst>
           </p:cNvPr>
@@ -1318,7 +1318,7 @@
           <p:cNvPr id="4" name="内容占位符 3">
             <a:extLst>
               <a:ext uri="{FF2B5EF4-FFF2-40B4-BE49-F238E27FC236}">
-                <a16:creationId xmlns:a16="http://schemas.microsoft.com/office/drawing/2014/main" id="{BD93093D-84BF-5C6F-08AF-C534B91C03C3}"/>
+                <a16:creationId xmlns:a16="http://schemas.microsoft.com/office/drawing/2014/main" id="{AC86C46C-4C81-6946-F2CE-9FAC2EDE82F3}"/>
               </a:ext>
             </a:extLst>
           </p:cNvPr>
@@ -1380,7 +1380,7 @@
           <p:cNvPr id="5" name="日期占位符 4">
             <a:extLst>
               <a:ext uri="{FF2B5EF4-FFF2-40B4-BE49-F238E27FC236}">
-                <a16:creationId xmlns:a16="http://schemas.microsoft.com/office/drawing/2014/main" id="{E19B43D4-CA76-BFA8-59FA-05498BA5A7EE}"/>
+                <a16:creationId xmlns:a16="http://schemas.microsoft.com/office/drawing/2014/main" id="{244A24D2-0063-3C9A-CD88-C5D3C4086B7F}"/>
               </a:ext>
             </a:extLst>
           </p:cNvPr>
@@ -1396,7 +1396,7 @@
           <a:bodyPr/>
           <a:lstStyle/>
           <a:p>
-            <a:fld id="{42B8B390-24EF-4436-BF1F-4567C0C01C06}" type="datetimeFigureOut">
+            <a:fld id="{97CFAC3F-21B1-440D-8879-FABBC536DBC1}" type="datetimeFigureOut">
               <a:rPr lang="zh-CN" altLang="en-US" smtClean="0"/>
               <a:t>2024/3/10</a:t>
             </a:fld>
@@ -1409,7 +1409,7 @@
           <p:cNvPr id="6" name="页脚占位符 5">
             <a:extLst>
               <a:ext uri="{FF2B5EF4-FFF2-40B4-BE49-F238E27FC236}">
-                <a16:creationId xmlns:a16="http://schemas.microsoft.com/office/drawing/2014/main" id="{954CD215-4695-6BFD-1AAA-CCE6BF50BEB5}"/>
+                <a16:creationId xmlns:a16="http://schemas.microsoft.com/office/drawing/2014/main" id="{E087CB01-996A-C9D6-35B5-52DD8A14BE5F}"/>
               </a:ext>
             </a:extLst>
           </p:cNvPr>
@@ -1434,7 +1434,7 @@
           <p:cNvPr id="7" name="灯片编号占位符 6">
             <a:extLst>
               <a:ext uri="{FF2B5EF4-FFF2-40B4-BE49-F238E27FC236}">
-                <a16:creationId xmlns:a16="http://schemas.microsoft.com/office/drawing/2014/main" id="{1810864C-AC64-377C-F89A-2FC2874A06D5}"/>
+                <a16:creationId xmlns:a16="http://schemas.microsoft.com/office/drawing/2014/main" id="{D268E1DF-068F-DF9E-2708-742533F67B5B}"/>
               </a:ext>
             </a:extLst>
           </p:cNvPr>
@@ -1450,7 +1450,7 @@
           <a:bodyPr/>
           <a:lstStyle/>
           <a:p>
-            <a:fld id="{947BEEDC-2945-4238-96D5-F313922CF4C5}" type="slidenum">
+            <a:fld id="{4597413C-1C31-4FFB-890A-CCE4A3F1CD78}" type="slidenum">
               <a:rPr lang="zh-CN" altLang="en-US" smtClean="0"/>
               <a:t>‹#›</a:t>
             </a:fld>
@@ -1461,7 +1461,7 @@
     </p:spTree>
     <p:extLst>
       <p:ext uri="{BB962C8B-B14F-4D97-AF65-F5344CB8AC3E}">
-        <p14:creationId xmlns:p14="http://schemas.microsoft.com/office/powerpoint/2010/main" val="1374123178"/>
+        <p14:creationId xmlns:p14="http://schemas.microsoft.com/office/powerpoint/2010/main" val="841109552"/>
       </p:ext>
     </p:extLst>
   </p:cSld>
@@ -1493,7 +1493,7 @@
           <p:cNvPr id="2" name="标题 1">
             <a:extLst>
               <a:ext uri="{FF2B5EF4-FFF2-40B4-BE49-F238E27FC236}">
-                <a16:creationId xmlns:a16="http://schemas.microsoft.com/office/drawing/2014/main" id="{7C50E246-8934-D639-26B8-F9709EFB6BAA}"/>
+                <a16:creationId xmlns:a16="http://schemas.microsoft.com/office/drawing/2014/main" id="{8DEF2A19-27A0-3D7A-452D-DE0588C522E5}"/>
               </a:ext>
             </a:extLst>
           </p:cNvPr>
@@ -1526,7 +1526,7 @@
           <p:cNvPr id="3" name="文本占位符 2">
             <a:extLst>
               <a:ext uri="{FF2B5EF4-FFF2-40B4-BE49-F238E27FC236}">
-                <a16:creationId xmlns:a16="http://schemas.microsoft.com/office/drawing/2014/main" id="{616A1E93-66B6-C809-C7EA-2C1279934BC5}"/>
+                <a16:creationId xmlns:a16="http://schemas.microsoft.com/office/drawing/2014/main" id="{2DAA19A4-BECE-2E49-4279-6E914A5983C3}"/>
               </a:ext>
             </a:extLst>
           </p:cNvPr>
@@ -1597,7 +1597,7 @@
           <p:cNvPr id="4" name="内容占位符 3">
             <a:extLst>
               <a:ext uri="{FF2B5EF4-FFF2-40B4-BE49-F238E27FC236}">
-                <a16:creationId xmlns:a16="http://schemas.microsoft.com/office/drawing/2014/main" id="{3FCE4B94-DF9B-91D6-A463-05E98D7FFA53}"/>
+                <a16:creationId xmlns:a16="http://schemas.microsoft.com/office/drawing/2014/main" id="{1801AA51-6401-CCE4-0995-40050C114178}"/>
               </a:ext>
             </a:extLst>
           </p:cNvPr>
@@ -1659,7 +1659,7 @@
           <p:cNvPr id="5" name="文本占位符 4">
             <a:extLst>
               <a:ext uri="{FF2B5EF4-FFF2-40B4-BE49-F238E27FC236}">
-                <a16:creationId xmlns:a16="http://schemas.microsoft.com/office/drawing/2014/main" id="{1C2450A3-44EA-0201-A885-F5BD42ABBA5A}"/>
+                <a16:creationId xmlns:a16="http://schemas.microsoft.com/office/drawing/2014/main" id="{DD93495D-18F0-D577-DFF2-39AED28FBCA1}"/>
               </a:ext>
             </a:extLst>
           </p:cNvPr>
@@ -1730,7 +1730,7 @@
           <p:cNvPr id="6" name="内容占位符 5">
             <a:extLst>
               <a:ext uri="{FF2B5EF4-FFF2-40B4-BE49-F238E27FC236}">
-                <a16:creationId xmlns:a16="http://schemas.microsoft.com/office/drawing/2014/main" id="{0B942F3B-26E1-E549-F06C-E2B4254438F0}"/>
+                <a16:creationId xmlns:a16="http://schemas.microsoft.com/office/drawing/2014/main" id="{5437E645-CBBC-E63D-6229-C5F829DC8A5F}"/>
               </a:ext>
             </a:extLst>
           </p:cNvPr>
@@ -1792,7 +1792,7 @@
           <p:cNvPr id="7" name="日期占位符 6">
             <a:extLst>
               <a:ext uri="{FF2B5EF4-FFF2-40B4-BE49-F238E27FC236}">
-                <a16:creationId xmlns:a16="http://schemas.microsoft.com/office/drawing/2014/main" id="{79917C23-A00D-38E3-2FDD-FB69EADAAC94}"/>
+                <a16:creationId xmlns:a16="http://schemas.microsoft.com/office/drawing/2014/main" id="{B0F24CE9-994B-6863-8E59-315D8FC21F0B}"/>
               </a:ext>
             </a:extLst>
           </p:cNvPr>
@@ -1808,7 +1808,7 @@
           <a:bodyPr/>
           <a:lstStyle/>
           <a:p>
-            <a:fld id="{42B8B390-24EF-4436-BF1F-4567C0C01C06}" type="datetimeFigureOut">
+            <a:fld id="{97CFAC3F-21B1-440D-8879-FABBC536DBC1}" type="datetimeFigureOut">
               <a:rPr lang="zh-CN" altLang="en-US" smtClean="0"/>
               <a:t>2024/3/10</a:t>
             </a:fld>
@@ -1821,7 +1821,7 @@
           <p:cNvPr id="8" name="页脚占位符 7">
             <a:extLst>
               <a:ext uri="{FF2B5EF4-FFF2-40B4-BE49-F238E27FC236}">
-                <a16:creationId xmlns:a16="http://schemas.microsoft.com/office/drawing/2014/main" id="{8DEC3F39-E228-2A6F-63CB-4C393EB2C4FA}"/>
+                <a16:creationId xmlns:a16="http://schemas.microsoft.com/office/drawing/2014/main" id="{75CC6DE0-5D80-B8FF-407E-3646FE64E604}"/>
               </a:ext>
             </a:extLst>
           </p:cNvPr>
@@ -1846,7 +1846,7 @@
           <p:cNvPr id="9" name="灯片编号占位符 8">
             <a:extLst>
               <a:ext uri="{FF2B5EF4-FFF2-40B4-BE49-F238E27FC236}">
-                <a16:creationId xmlns:a16="http://schemas.microsoft.com/office/drawing/2014/main" id="{F52091ED-F5C7-DA95-FB38-210C4BEAA6FB}"/>
+                <a16:creationId xmlns:a16="http://schemas.microsoft.com/office/drawing/2014/main" id="{FCDE41FE-CD71-DCB6-0543-02F233FA7DB8}"/>
               </a:ext>
             </a:extLst>
           </p:cNvPr>
@@ -1862,7 +1862,7 @@
           <a:bodyPr/>
           <a:lstStyle/>
           <a:p>
-            <a:fld id="{947BEEDC-2945-4238-96D5-F313922CF4C5}" type="slidenum">
+            <a:fld id="{4597413C-1C31-4FFB-890A-CCE4A3F1CD78}" type="slidenum">
               <a:rPr lang="zh-CN" altLang="en-US" smtClean="0"/>
               <a:t>‹#›</a:t>
             </a:fld>
@@ -1873,7 +1873,7 @@
     </p:spTree>
     <p:extLst>
       <p:ext uri="{BB962C8B-B14F-4D97-AF65-F5344CB8AC3E}">
-        <p14:creationId xmlns:p14="http://schemas.microsoft.com/office/powerpoint/2010/main" val="1477513865"/>
+        <p14:creationId xmlns:p14="http://schemas.microsoft.com/office/powerpoint/2010/main" val="2516758819"/>
       </p:ext>
     </p:extLst>
   </p:cSld>
@@ -1905,7 +1905,7 @@
           <p:cNvPr id="2" name="标题 1">
             <a:extLst>
               <a:ext uri="{FF2B5EF4-FFF2-40B4-BE49-F238E27FC236}">
-                <a16:creationId xmlns:a16="http://schemas.microsoft.com/office/drawing/2014/main" id="{4010B4D9-E535-2BDB-ABDA-CC70680C1A4A}"/>
+                <a16:creationId xmlns:a16="http://schemas.microsoft.com/office/drawing/2014/main" id="{0EBB093D-F8A6-E552-B289-F356D87D7A4D}"/>
               </a:ext>
             </a:extLst>
           </p:cNvPr>
@@ -1933,7 +1933,7 @@
           <p:cNvPr id="3" name="日期占位符 2">
             <a:extLst>
               <a:ext uri="{FF2B5EF4-FFF2-40B4-BE49-F238E27FC236}">
-                <a16:creationId xmlns:a16="http://schemas.microsoft.com/office/drawing/2014/main" id="{D4A4BAAB-D3D5-793B-1F80-9753B6BB051E}"/>
+                <a16:creationId xmlns:a16="http://schemas.microsoft.com/office/drawing/2014/main" id="{34179876-EEEB-E769-6850-0D0BD6E8DC21}"/>
               </a:ext>
             </a:extLst>
           </p:cNvPr>
@@ -1949,7 +1949,7 @@
           <a:bodyPr/>
           <a:lstStyle/>
           <a:p>
-            <a:fld id="{42B8B390-24EF-4436-BF1F-4567C0C01C06}" type="datetimeFigureOut">
+            <a:fld id="{97CFAC3F-21B1-440D-8879-FABBC536DBC1}" type="datetimeFigureOut">
               <a:rPr lang="zh-CN" altLang="en-US" smtClean="0"/>
               <a:t>2024/3/10</a:t>
             </a:fld>
@@ -1962,7 +1962,7 @@
           <p:cNvPr id="4" name="页脚占位符 3">
             <a:extLst>
               <a:ext uri="{FF2B5EF4-FFF2-40B4-BE49-F238E27FC236}">
-                <a16:creationId xmlns:a16="http://schemas.microsoft.com/office/drawing/2014/main" id="{B36B2F8F-6733-33CE-D0BA-3360BC2E1652}"/>
+                <a16:creationId xmlns:a16="http://schemas.microsoft.com/office/drawing/2014/main" id="{7F52896C-60F3-2118-9F39-C01C36CF45D3}"/>
               </a:ext>
             </a:extLst>
           </p:cNvPr>
@@ -1987,7 +1987,7 @@
           <p:cNvPr id="5" name="灯片编号占位符 4">
             <a:extLst>
               <a:ext uri="{FF2B5EF4-FFF2-40B4-BE49-F238E27FC236}">
-                <a16:creationId xmlns:a16="http://schemas.microsoft.com/office/drawing/2014/main" id="{3364EAAF-8E29-A83F-52EB-4AB84B4B6115}"/>
+                <a16:creationId xmlns:a16="http://schemas.microsoft.com/office/drawing/2014/main" id="{475C69FB-52C5-5F15-ADEC-885DC741074F}"/>
               </a:ext>
             </a:extLst>
           </p:cNvPr>
@@ -2003,7 +2003,7 @@
           <a:bodyPr/>
           <a:lstStyle/>
           <a:p>
-            <a:fld id="{947BEEDC-2945-4238-96D5-F313922CF4C5}" type="slidenum">
+            <a:fld id="{4597413C-1C31-4FFB-890A-CCE4A3F1CD78}" type="slidenum">
               <a:rPr lang="zh-CN" altLang="en-US" smtClean="0"/>
               <a:t>‹#›</a:t>
             </a:fld>
@@ -2014,7 +2014,7 @@
     </p:spTree>
     <p:extLst>
       <p:ext uri="{BB962C8B-B14F-4D97-AF65-F5344CB8AC3E}">
-        <p14:creationId xmlns:p14="http://schemas.microsoft.com/office/powerpoint/2010/main" val="36856647"/>
+        <p14:creationId xmlns:p14="http://schemas.microsoft.com/office/powerpoint/2010/main" val="2475987393"/>
       </p:ext>
     </p:extLst>
   </p:cSld>
@@ -2046,7 +2046,7 @@
           <p:cNvPr id="2" name="日期占位符 1">
             <a:extLst>
               <a:ext uri="{FF2B5EF4-FFF2-40B4-BE49-F238E27FC236}">
-                <a16:creationId xmlns:a16="http://schemas.microsoft.com/office/drawing/2014/main" id="{B1AD98FB-5CD4-69EE-6C07-F86C30F94036}"/>
+                <a16:creationId xmlns:a16="http://schemas.microsoft.com/office/drawing/2014/main" id="{28D04D5B-8E24-C45C-C9D4-75809F6175DB}"/>
               </a:ext>
             </a:extLst>
           </p:cNvPr>
@@ -2062,7 +2062,7 @@
           <a:bodyPr/>
           <a:lstStyle/>
           <a:p>
-            <a:fld id="{42B8B390-24EF-4436-BF1F-4567C0C01C06}" type="datetimeFigureOut">
+            <a:fld id="{97CFAC3F-21B1-440D-8879-FABBC536DBC1}" type="datetimeFigureOut">
               <a:rPr lang="zh-CN" altLang="en-US" smtClean="0"/>
               <a:t>2024/3/10</a:t>
             </a:fld>
@@ -2075,7 +2075,7 @@
           <p:cNvPr id="3" name="页脚占位符 2">
             <a:extLst>
               <a:ext uri="{FF2B5EF4-FFF2-40B4-BE49-F238E27FC236}">
-                <a16:creationId xmlns:a16="http://schemas.microsoft.com/office/drawing/2014/main" id="{C1D04102-CF97-F1EC-24C5-536AC6F2CB7C}"/>
+                <a16:creationId xmlns:a16="http://schemas.microsoft.com/office/drawing/2014/main" id="{AB2460AE-5E17-EA13-613C-3A31A23482AE}"/>
               </a:ext>
             </a:extLst>
           </p:cNvPr>
@@ -2100,7 +2100,7 @@
           <p:cNvPr id="4" name="灯片编号占位符 3">
             <a:extLst>
               <a:ext uri="{FF2B5EF4-FFF2-40B4-BE49-F238E27FC236}">
-                <a16:creationId xmlns:a16="http://schemas.microsoft.com/office/drawing/2014/main" id="{8471F36D-1987-33AB-A763-49CB33D1C0E3}"/>
+                <a16:creationId xmlns:a16="http://schemas.microsoft.com/office/drawing/2014/main" id="{C75EFC70-3189-B846-159A-B0F502A10A3C}"/>
               </a:ext>
             </a:extLst>
           </p:cNvPr>
@@ -2116,7 +2116,7 @@
           <a:bodyPr/>
           <a:lstStyle/>
           <a:p>
-            <a:fld id="{947BEEDC-2945-4238-96D5-F313922CF4C5}" type="slidenum">
+            <a:fld id="{4597413C-1C31-4FFB-890A-CCE4A3F1CD78}" type="slidenum">
               <a:rPr lang="zh-CN" altLang="en-US" smtClean="0"/>
               <a:t>‹#›</a:t>
             </a:fld>
@@ -2127,7 +2127,7 @@
     </p:spTree>
     <p:extLst>
       <p:ext uri="{BB962C8B-B14F-4D97-AF65-F5344CB8AC3E}">
-        <p14:creationId xmlns:p14="http://schemas.microsoft.com/office/powerpoint/2010/main" val="556598943"/>
+        <p14:creationId xmlns:p14="http://schemas.microsoft.com/office/powerpoint/2010/main" val="2340265612"/>
       </p:ext>
     </p:extLst>
   </p:cSld>
@@ -2159,7 +2159,7 @@
           <p:cNvPr id="2" name="标题 1">
             <a:extLst>
               <a:ext uri="{FF2B5EF4-FFF2-40B4-BE49-F238E27FC236}">
-                <a16:creationId xmlns:a16="http://schemas.microsoft.com/office/drawing/2014/main" id="{F73EC0C2-4B0C-67E8-2AE0-1A38C779152D}"/>
+                <a16:creationId xmlns:a16="http://schemas.microsoft.com/office/drawing/2014/main" id="{57335CBB-7E85-6AA3-949F-E2A5840E1382}"/>
               </a:ext>
             </a:extLst>
           </p:cNvPr>
@@ -2196,7 +2196,7 @@
           <p:cNvPr id="3" name="内容占位符 2">
             <a:extLst>
               <a:ext uri="{FF2B5EF4-FFF2-40B4-BE49-F238E27FC236}">
-                <a16:creationId xmlns:a16="http://schemas.microsoft.com/office/drawing/2014/main" id="{8439CEF3-58DB-B95D-8210-64BEA07AC640}"/>
+                <a16:creationId xmlns:a16="http://schemas.microsoft.com/office/drawing/2014/main" id="{D29AB2AC-D141-EFC8-D45A-CCFF4BEE5756}"/>
               </a:ext>
             </a:extLst>
           </p:cNvPr>
@@ -2286,7 +2286,7 @@
           <p:cNvPr id="4" name="文本占位符 3">
             <a:extLst>
               <a:ext uri="{FF2B5EF4-FFF2-40B4-BE49-F238E27FC236}">
-                <a16:creationId xmlns:a16="http://schemas.microsoft.com/office/drawing/2014/main" id="{1399AEF2-BEAE-AA25-3674-D90783F9FF23}"/>
+                <a16:creationId xmlns:a16="http://schemas.microsoft.com/office/drawing/2014/main" id="{52841558-B506-B48D-4429-21DECE2BA9AB}"/>
               </a:ext>
             </a:extLst>
           </p:cNvPr>
@@ -2357,7 +2357,7 @@
           <p:cNvPr id="5" name="日期占位符 4">
             <a:extLst>
               <a:ext uri="{FF2B5EF4-FFF2-40B4-BE49-F238E27FC236}">
-                <a16:creationId xmlns:a16="http://schemas.microsoft.com/office/drawing/2014/main" id="{C0991C27-80C3-B5AC-9FB0-844510A1A2D2}"/>
+                <a16:creationId xmlns:a16="http://schemas.microsoft.com/office/drawing/2014/main" id="{FE5CD68C-1295-8C55-F3C4-F7F76251B0DA}"/>
               </a:ext>
             </a:extLst>
           </p:cNvPr>
@@ -2373,7 +2373,7 @@
           <a:bodyPr/>
           <a:lstStyle/>
           <a:p>
-            <a:fld id="{42B8B390-24EF-4436-BF1F-4567C0C01C06}" type="datetimeFigureOut">
+            <a:fld id="{97CFAC3F-21B1-440D-8879-FABBC536DBC1}" type="datetimeFigureOut">
               <a:rPr lang="zh-CN" altLang="en-US" smtClean="0"/>
               <a:t>2024/3/10</a:t>
             </a:fld>
@@ -2386,7 +2386,7 @@
           <p:cNvPr id="6" name="页脚占位符 5">
             <a:extLst>
               <a:ext uri="{FF2B5EF4-FFF2-40B4-BE49-F238E27FC236}">
-                <a16:creationId xmlns:a16="http://schemas.microsoft.com/office/drawing/2014/main" id="{099F0CE9-754E-61B2-062F-614C2E50178D}"/>
+                <a16:creationId xmlns:a16="http://schemas.microsoft.com/office/drawing/2014/main" id="{BADC7A17-F289-B106-CCB7-31085C8D764F}"/>
               </a:ext>
             </a:extLst>
           </p:cNvPr>
@@ -2411,7 +2411,7 @@
           <p:cNvPr id="7" name="灯片编号占位符 6">
             <a:extLst>
               <a:ext uri="{FF2B5EF4-FFF2-40B4-BE49-F238E27FC236}">
-                <a16:creationId xmlns:a16="http://schemas.microsoft.com/office/drawing/2014/main" id="{85045336-7AF5-4B6D-4BB2-8CFD15139411}"/>
+                <a16:creationId xmlns:a16="http://schemas.microsoft.com/office/drawing/2014/main" id="{E6D5AC3C-85F4-1145-9498-E2950FD5E7FB}"/>
               </a:ext>
             </a:extLst>
           </p:cNvPr>
@@ -2427,7 +2427,7 @@
           <a:bodyPr/>
           <a:lstStyle/>
           <a:p>
-            <a:fld id="{947BEEDC-2945-4238-96D5-F313922CF4C5}" type="slidenum">
+            <a:fld id="{4597413C-1C31-4FFB-890A-CCE4A3F1CD78}" type="slidenum">
               <a:rPr lang="zh-CN" altLang="en-US" smtClean="0"/>
               <a:t>‹#›</a:t>
             </a:fld>
@@ -2438,7 +2438,7 @@
     </p:spTree>
     <p:extLst>
       <p:ext uri="{BB962C8B-B14F-4D97-AF65-F5344CB8AC3E}">
-        <p14:creationId xmlns:p14="http://schemas.microsoft.com/office/powerpoint/2010/main" val="792073229"/>
+        <p14:creationId xmlns:p14="http://schemas.microsoft.com/office/powerpoint/2010/main" val="2341702434"/>
       </p:ext>
     </p:extLst>
   </p:cSld>
@@ -2470,7 +2470,7 @@
           <p:cNvPr id="2" name="标题 1">
             <a:extLst>
               <a:ext uri="{FF2B5EF4-FFF2-40B4-BE49-F238E27FC236}">
-                <a16:creationId xmlns:a16="http://schemas.microsoft.com/office/drawing/2014/main" id="{D6AEE41B-8898-D4BF-5CC0-CEF024BDB914}"/>
+                <a16:creationId xmlns:a16="http://schemas.microsoft.com/office/drawing/2014/main" id="{CA194F7F-55A9-98AB-272D-1A22B54BF799}"/>
               </a:ext>
             </a:extLst>
           </p:cNvPr>
@@ -2507,7 +2507,7 @@
           <p:cNvPr id="3" name="图片占位符 2">
             <a:extLst>
               <a:ext uri="{FF2B5EF4-FFF2-40B4-BE49-F238E27FC236}">
-                <a16:creationId xmlns:a16="http://schemas.microsoft.com/office/drawing/2014/main" id="{FFC852B8-840C-37D7-0BF3-1C9892D0CD85}"/>
+                <a16:creationId xmlns:a16="http://schemas.microsoft.com/office/drawing/2014/main" id="{45D852D8-C9FA-DFA3-54AF-99C230D7B80C}"/>
               </a:ext>
             </a:extLst>
           </p:cNvPr>
@@ -2574,7 +2574,7 @@
           <p:cNvPr id="4" name="文本占位符 3">
             <a:extLst>
               <a:ext uri="{FF2B5EF4-FFF2-40B4-BE49-F238E27FC236}">
-                <a16:creationId xmlns:a16="http://schemas.microsoft.com/office/drawing/2014/main" id="{1CBBD0E5-0E5C-87E5-5050-60344B6C2FE5}"/>
+                <a16:creationId xmlns:a16="http://schemas.microsoft.com/office/drawing/2014/main" id="{131C1E17-824D-0239-7ECB-76986DD5C3B4}"/>
               </a:ext>
             </a:extLst>
           </p:cNvPr>
@@ -2645,7 +2645,7 @@
           <p:cNvPr id="5" name="日期占位符 4">
             <a:extLst>
               <a:ext uri="{FF2B5EF4-FFF2-40B4-BE49-F238E27FC236}">
-                <a16:creationId xmlns:a16="http://schemas.microsoft.com/office/drawing/2014/main" id="{4EE22F6B-CE4A-D96A-47F8-69EB17A7EE80}"/>
+                <a16:creationId xmlns:a16="http://schemas.microsoft.com/office/drawing/2014/main" id="{98F7E819-E2BD-5E4A-B277-76D541746193}"/>
               </a:ext>
             </a:extLst>
           </p:cNvPr>
@@ -2661,7 +2661,7 @@
           <a:bodyPr/>
           <a:lstStyle/>
           <a:p>
-            <a:fld id="{42B8B390-24EF-4436-BF1F-4567C0C01C06}" type="datetimeFigureOut">
+            <a:fld id="{97CFAC3F-21B1-440D-8879-FABBC536DBC1}" type="datetimeFigureOut">
               <a:rPr lang="zh-CN" altLang="en-US" smtClean="0"/>
               <a:t>2024/3/10</a:t>
             </a:fld>
@@ -2674,7 +2674,7 @@
           <p:cNvPr id="6" name="页脚占位符 5">
             <a:extLst>
               <a:ext uri="{FF2B5EF4-FFF2-40B4-BE49-F238E27FC236}">
-                <a16:creationId xmlns:a16="http://schemas.microsoft.com/office/drawing/2014/main" id="{51C27ECA-BB98-8017-A23A-49215A4A70BF}"/>
+                <a16:creationId xmlns:a16="http://schemas.microsoft.com/office/drawing/2014/main" id="{002E2761-0EB4-6799-4586-E47463D2C715}"/>
               </a:ext>
             </a:extLst>
           </p:cNvPr>
@@ -2699,7 +2699,7 @@
           <p:cNvPr id="7" name="灯片编号占位符 6">
             <a:extLst>
               <a:ext uri="{FF2B5EF4-FFF2-40B4-BE49-F238E27FC236}">
-                <a16:creationId xmlns:a16="http://schemas.microsoft.com/office/drawing/2014/main" id="{081692FE-D8E7-30B5-3F48-607223498A55}"/>
+                <a16:creationId xmlns:a16="http://schemas.microsoft.com/office/drawing/2014/main" id="{7EC6D08D-4F57-8949-78CE-26437350505C}"/>
               </a:ext>
             </a:extLst>
           </p:cNvPr>
@@ -2715,7 +2715,7 @@
           <a:bodyPr/>
           <a:lstStyle/>
           <a:p>
-            <a:fld id="{947BEEDC-2945-4238-96D5-F313922CF4C5}" type="slidenum">
+            <a:fld id="{4597413C-1C31-4FFB-890A-CCE4A3F1CD78}" type="slidenum">
               <a:rPr lang="zh-CN" altLang="en-US" smtClean="0"/>
               <a:t>‹#›</a:t>
             </a:fld>
@@ -2726,7 +2726,7 @@
     </p:spTree>
     <p:extLst>
       <p:ext uri="{BB962C8B-B14F-4D97-AF65-F5344CB8AC3E}">
-        <p14:creationId xmlns:p14="http://schemas.microsoft.com/office/powerpoint/2010/main" val="1208683760"/>
+        <p14:creationId xmlns:p14="http://schemas.microsoft.com/office/powerpoint/2010/main" val="4290765586"/>
       </p:ext>
     </p:extLst>
   </p:cSld>
@@ -2763,7 +2763,7 @@
           <p:cNvPr id="2" name="标题占位符 1">
             <a:extLst>
               <a:ext uri="{FF2B5EF4-FFF2-40B4-BE49-F238E27FC236}">
-                <a16:creationId xmlns:a16="http://schemas.microsoft.com/office/drawing/2014/main" id="{9B319D99-179F-C676-F744-A4C35F572580}"/>
+                <a16:creationId xmlns:a16="http://schemas.microsoft.com/office/drawing/2014/main" id="{46CA8242-754D-AB5A-ED83-D7CDF5F871F0}"/>
               </a:ext>
             </a:extLst>
           </p:cNvPr>
@@ -2801,7 +2801,7 @@
           <p:cNvPr id="3" name="文本占位符 2">
             <a:extLst>
               <a:ext uri="{FF2B5EF4-FFF2-40B4-BE49-F238E27FC236}">
-                <a16:creationId xmlns:a16="http://schemas.microsoft.com/office/drawing/2014/main" id="{EAD650DA-A67E-D5F8-6AF9-1808662B6D37}"/>
+                <a16:creationId xmlns:a16="http://schemas.microsoft.com/office/drawing/2014/main" id="{E2C9BEB4-613D-09D8-4C28-3A046DDA63BE}"/>
               </a:ext>
             </a:extLst>
           </p:cNvPr>
@@ -2868,7 +2868,7 @@
           <p:cNvPr id="4" name="日期占位符 3">
             <a:extLst>
               <a:ext uri="{FF2B5EF4-FFF2-40B4-BE49-F238E27FC236}">
-                <a16:creationId xmlns:a16="http://schemas.microsoft.com/office/drawing/2014/main" id="{5BA5365B-8CA3-6434-8B35-B4901A01318B}"/>
+                <a16:creationId xmlns:a16="http://schemas.microsoft.com/office/drawing/2014/main" id="{B0107329-A923-57B6-48E3-0569929BB60B}"/>
               </a:ext>
             </a:extLst>
           </p:cNvPr>
@@ -2902,7 +2902,7 @@
             </a:lvl1pPr>
           </a:lstStyle>
           <a:p>
-            <a:fld id="{42B8B390-24EF-4436-BF1F-4567C0C01C06}" type="datetimeFigureOut">
+            <a:fld id="{97CFAC3F-21B1-440D-8879-FABBC536DBC1}" type="datetimeFigureOut">
               <a:rPr lang="zh-CN" altLang="en-US" smtClean="0"/>
               <a:t>2024/3/10</a:t>
             </a:fld>
@@ -2915,7 +2915,7 @@
           <p:cNvPr id="5" name="页脚占位符 4">
             <a:extLst>
               <a:ext uri="{FF2B5EF4-FFF2-40B4-BE49-F238E27FC236}">
-                <a16:creationId xmlns:a16="http://schemas.microsoft.com/office/drawing/2014/main" id="{63AFF535-3FF6-42AB-8B1B-BBFD59A71DB0}"/>
+                <a16:creationId xmlns:a16="http://schemas.microsoft.com/office/drawing/2014/main" id="{5DD92039-ED0B-89F9-2DF5-BC970021DCFD}"/>
               </a:ext>
             </a:extLst>
           </p:cNvPr>
@@ -2958,7 +2958,7 @@
           <p:cNvPr id="6" name="灯片编号占位符 5">
             <a:extLst>
               <a:ext uri="{FF2B5EF4-FFF2-40B4-BE49-F238E27FC236}">
-                <a16:creationId xmlns:a16="http://schemas.microsoft.com/office/drawing/2014/main" id="{F3DBF9B6-F572-BEDC-D04A-B6A58EA0DE31}"/>
+                <a16:creationId xmlns:a16="http://schemas.microsoft.com/office/drawing/2014/main" id="{D3A0756B-AFBD-6876-441D-3F410D2B2A4C}"/>
               </a:ext>
             </a:extLst>
           </p:cNvPr>
@@ -2992,7 +2992,7 @@
             </a:lvl1pPr>
           </a:lstStyle>
           <a:p>
-            <a:fld id="{947BEEDC-2945-4238-96D5-F313922CF4C5}" type="slidenum">
+            <a:fld id="{4597413C-1C31-4FFB-890A-CCE4A3F1CD78}" type="slidenum">
               <a:rPr lang="zh-CN" altLang="en-US" smtClean="0"/>
               <a:t>‹#›</a:t>
             </a:fld>
@@ -3003,7 +3003,7 @@
     </p:spTree>
     <p:extLst>
       <p:ext uri="{BB962C8B-B14F-4D97-AF65-F5344CB8AC3E}">
-        <p14:creationId xmlns:p14="http://schemas.microsoft.com/office/powerpoint/2010/main" val="1423007986"/>
+        <p14:creationId xmlns:p14="http://schemas.microsoft.com/office/powerpoint/2010/main" val="1129453970"/>
       </p:ext>
     </p:extLst>
   </p:cSld>
@@ -3323,7 +3323,7 @@
       </p:grpSpPr>
       <p:pic>
         <p:nvPicPr>
-          <p:cNvPr id="768002" name="Picture 2" descr="749"/>
+          <p:cNvPr id="769026" name="Picture 2" descr="750"/>
           <p:cNvPicPr>
             <a:picLocks noChangeAspect="1" noChangeArrowheads="1"/>
           </p:cNvPicPr>
@@ -3375,158 +3375,11 @@
           </a:extLst>
         </p:spPr>
       </p:pic>
-      <p:pic>
-        <p:nvPicPr>
-          <p:cNvPr id="769027" name="Picture 3" descr="749-2"/>
-          <p:cNvPicPr>
-            <a:picLocks noChangeAspect="1" noChangeArrowheads="1"/>
-          </p:cNvPicPr>
-          <p:nvPr/>
-        </p:nvPicPr>
-        <p:blipFill>
-          <a:blip r:embed="rId3">
-            <a:extLst>
-              <a:ext uri="{28A0092B-C50C-407E-A947-70E740481C1C}">
-                <a14:useLocalDpi xmlns:a14="http://schemas.microsoft.com/office/drawing/2010/main" val="0"/>
-              </a:ext>
-            </a:extLst>
-          </a:blip>
-          <a:srcRect/>
-          <a:stretch>
-            <a:fillRect/>
-          </a:stretch>
-        </p:blipFill>
-        <p:spPr bwMode="auto">
-          <a:xfrm>
-            <a:off x="1524000" y="0"/>
-            <a:ext cx="9144000" cy="6858000"/>
-          </a:xfrm>
-          <a:prstGeom prst="rect">
-            <a:avLst/>
-          </a:prstGeom>
-          <a:noFill/>
-          <a:ln>
-            <a:noFill/>
-          </a:ln>
-          <a:effectLst/>
-          <a:extLst>
-            <a:ext uri="{909E8E84-426E-40DD-AFC4-6F175D3DCCD1}">
-              <a14:hiddenFill xmlns:a14="http://schemas.microsoft.com/office/drawing/2010/main">
-                <a:solidFill>
-                  <a:srgbClr val="FFFFFF"/>
-                </a:solidFill>
-              </a14:hiddenFill>
-            </a:ext>
-            <a:ext uri="{91240B29-F687-4F45-9708-019B960494DF}">
-              <a14:hiddenLine xmlns:a14="http://schemas.microsoft.com/office/drawing/2010/main" w="9525">
-                <a:solidFill>
-                  <a:srgbClr val="000000"/>
-                </a:solidFill>
-                <a:miter lim="800000"/>
-                <a:headEnd/>
-                <a:tailEnd/>
-              </a14:hiddenLine>
-            </a:ext>
-            <a:ext uri="{AF507438-7753-43E0-B8FC-AC1667EBCBE1}">
-              <a14:hiddenEffects xmlns:a14="http://schemas.microsoft.com/office/drawing/2010/main">
-                <a:effectLst>
-                  <a:outerShdw dist="35921" dir="2700000" algn="ctr" rotWithShape="0">
-                    <a:srgbClr val="808080"/>
-                  </a:outerShdw>
-                </a:effectLst>
-              </a14:hiddenEffects>
-            </a:ext>
-          </a:extLst>
-        </p:spPr>
-      </p:pic>
     </p:spTree>
   </p:cSld>
   <p:clrMapOvr>
     <a:masterClrMapping/>
   </p:clrMapOvr>
-  <p:timing>
-    <p:tnLst>
-      <p:par>
-        <p:cTn id="1" dur="indefinite" restart="never" nodeType="tmRoot">
-          <p:childTnLst>
-            <p:seq concurrent="1" nextAc="seek">
-              <p:cTn id="2" dur="indefinite" nodeType="mainSeq">
-                <p:childTnLst>
-                  <p:par>
-                    <p:cTn id="3" fill="hold" nodeType="clickPar">
-                      <p:stCondLst>
-                        <p:cond delay="indefinite"/>
-                      </p:stCondLst>
-                      <p:childTnLst>
-                        <p:par>
-                          <p:cTn id="4" fill="hold" nodeType="withGroup">
-                            <p:stCondLst>
-                              <p:cond delay="0"/>
-                            </p:stCondLst>
-                            <p:childTnLst>
-                              <p:par>
-                                <p:cTn id="5" presetID="10" presetClass="entr" presetSubtype="0" fill="hold" nodeType="clickEffect">
-                                  <p:stCondLst>
-                                    <p:cond delay="0"/>
-                                  </p:stCondLst>
-                                  <p:childTnLst>
-                                    <p:set>
-                                      <p:cBhvr>
-                                        <p:cTn id="6" dur="1" fill="hold">
-                                          <p:stCondLst>
-                                            <p:cond delay="0"/>
-                                          </p:stCondLst>
-                                        </p:cTn>
-                                        <p:tgtEl>
-                                          <p:spTgt spid="769027"/>
-                                        </p:tgtEl>
-                                        <p:attrNameLst>
-                                          <p:attrName>style.visibility</p:attrName>
-                                        </p:attrNameLst>
-                                      </p:cBhvr>
-                                      <p:to>
-                                        <p:strVal val="visible"/>
-                                      </p:to>
-                                    </p:set>
-                                    <p:animEffect transition="in" filter="fade">
-                                      <p:cBhvr>
-                                        <p:cTn id="7" dur="500"/>
-                                        <p:tgtEl>
-                                          <p:spTgt spid="769027"/>
-                                        </p:tgtEl>
-                                      </p:cBhvr>
-                                    </p:animEffect>
-                                  </p:childTnLst>
-                                </p:cTn>
-                              </p:par>
-                            </p:childTnLst>
-                          </p:cTn>
-                        </p:par>
-                      </p:childTnLst>
-                    </p:cTn>
-                  </p:par>
-                </p:childTnLst>
-              </p:cTn>
-              <p:prevCondLst>
-                <p:cond evt="onPrev" delay="0">
-                  <p:tgtEl>
-                    <p:sldTgt/>
-                  </p:tgtEl>
-                </p:cond>
-              </p:prevCondLst>
-              <p:nextCondLst>
-                <p:cond evt="onNext" delay="0">
-                  <p:tgtEl>
-                    <p:sldTgt/>
-                  </p:tgtEl>
-                </p:cond>
-              </p:nextCondLst>
-            </p:seq>
-          </p:childTnLst>
-        </p:cTn>
-      </p:par>
-    </p:tnLst>
-  </p:timing>
 </p:sld>
 </file>
 
